--- a/Daily Agendas/Day12.2_BinaryNumbers.pptx
+++ b/Daily Agendas/Day12.2_BinaryNumbers.pptx
@@ -304,7 +304,7 @@
             <a:fld id="{1D8BD707-D9CF-40AE-B4C6-C98DA3205C09}" type="datetimeFigureOut">
               <a:rPr lang="en-US" smtClean="0"/>
               <a:pPr/>
-              <a:t>11/20/2018</a:t>
+              <a:t>11/21/2018</a:t>
             </a:fld>
             <a:endParaRPr lang="en-US"/>
           </a:p>
@@ -469,7 +469,7 @@
             <a:fld id="{1D8BD707-D9CF-40AE-B4C6-C98DA3205C09}" type="datetimeFigureOut">
               <a:rPr lang="en-US" smtClean="0"/>
               <a:pPr/>
-              <a:t>11/20/2018</a:t>
+              <a:t>11/21/2018</a:t>
             </a:fld>
             <a:endParaRPr lang="en-US"/>
           </a:p>
@@ -644,7 +644,7 @@
             <a:fld id="{1D8BD707-D9CF-40AE-B4C6-C98DA3205C09}" type="datetimeFigureOut">
               <a:rPr lang="en-US" smtClean="0"/>
               <a:pPr/>
-              <a:t>11/20/2018</a:t>
+              <a:t>11/21/2018</a:t>
             </a:fld>
             <a:endParaRPr lang="en-US"/>
           </a:p>
@@ -809,7 +809,7 @@
             <a:fld id="{1D8BD707-D9CF-40AE-B4C6-C98DA3205C09}" type="datetimeFigureOut">
               <a:rPr lang="en-US" smtClean="0"/>
               <a:pPr/>
-              <a:t>11/20/2018</a:t>
+              <a:t>11/21/2018</a:t>
             </a:fld>
             <a:endParaRPr lang="en-US"/>
           </a:p>
@@ -1051,7 +1051,7 @@
             <a:fld id="{1D8BD707-D9CF-40AE-B4C6-C98DA3205C09}" type="datetimeFigureOut">
               <a:rPr lang="en-US" smtClean="0"/>
               <a:pPr/>
-              <a:t>11/20/2018</a:t>
+              <a:t>11/21/2018</a:t>
             </a:fld>
             <a:endParaRPr lang="en-US"/>
           </a:p>
@@ -1333,7 +1333,7 @@
             <a:fld id="{1D8BD707-D9CF-40AE-B4C6-C98DA3205C09}" type="datetimeFigureOut">
               <a:rPr lang="en-US" smtClean="0"/>
               <a:pPr/>
-              <a:t>11/20/2018</a:t>
+              <a:t>11/21/2018</a:t>
             </a:fld>
             <a:endParaRPr lang="en-US"/>
           </a:p>
@@ -1749,7 +1749,7 @@
             <a:fld id="{1D8BD707-D9CF-40AE-B4C6-C98DA3205C09}" type="datetimeFigureOut">
               <a:rPr lang="en-US" smtClean="0"/>
               <a:pPr/>
-              <a:t>11/20/2018</a:t>
+              <a:t>11/21/2018</a:t>
             </a:fld>
             <a:endParaRPr lang="en-US"/>
           </a:p>
@@ -1863,7 +1863,7 @@
             <a:fld id="{1D8BD707-D9CF-40AE-B4C6-C98DA3205C09}" type="datetimeFigureOut">
               <a:rPr lang="en-US" smtClean="0"/>
               <a:pPr/>
-              <a:t>11/20/2018</a:t>
+              <a:t>11/21/2018</a:t>
             </a:fld>
             <a:endParaRPr lang="en-US"/>
           </a:p>
@@ -1955,7 +1955,7 @@
             <a:fld id="{1D8BD707-D9CF-40AE-B4C6-C98DA3205C09}" type="datetimeFigureOut">
               <a:rPr lang="en-US" smtClean="0"/>
               <a:pPr/>
-              <a:t>11/20/2018</a:t>
+              <a:t>11/21/2018</a:t>
             </a:fld>
             <a:endParaRPr lang="en-US"/>
           </a:p>
@@ -2227,7 +2227,7 @@
             <a:fld id="{1D8BD707-D9CF-40AE-B4C6-C98DA3205C09}" type="datetimeFigureOut">
               <a:rPr lang="en-US" smtClean="0"/>
               <a:pPr/>
-              <a:t>11/20/2018</a:t>
+              <a:t>11/21/2018</a:t>
             </a:fld>
             <a:endParaRPr lang="en-US"/>
           </a:p>
@@ -2476,7 +2476,7 @@
             <a:fld id="{1D8BD707-D9CF-40AE-B4C6-C98DA3205C09}" type="datetimeFigureOut">
               <a:rPr lang="en-US" smtClean="0"/>
               <a:pPr/>
-              <a:t>11/20/2018</a:t>
+              <a:t>11/21/2018</a:t>
             </a:fld>
             <a:endParaRPr lang="en-US"/>
           </a:p>
@@ -2684,7 +2684,7 @@
             <a:fld id="{1D8BD707-D9CF-40AE-B4C6-C98DA3205C09}" type="datetimeFigureOut">
               <a:rPr lang="en-US" smtClean="0"/>
               <a:pPr/>
-              <a:t>11/20/2018</a:t>
+              <a:t>11/21/2018</a:t>
             </a:fld>
             <a:endParaRPr lang="en-US"/>
           </a:p>
@@ -3317,7 +3317,6 @@
               <a:rPr lang="en-US" dirty="0" smtClean="0"/>
               <a:t>Lifecycle </a:t>
             </a:r>
-            <a:endParaRPr lang="en-US" dirty="0" smtClean="0"/>
           </a:p>
           <a:p>
             <a:pPr lvl="2"/>
